--- a/mkdocs/docs/images/src/canary-%-segmentation.pptx
+++ b/mkdocs/docs/images/src/canary-%-segmentation.pptx
@@ -3729,8 +3729,8 @@
         </p:nvSpPr>
         <p:spPr>
           <a:xfrm>
-            <a:off x="0" y="1389528"/>
-            <a:ext cx="12191999" cy="4518745"/>
+            <a:off x="0" y="1461702"/>
+            <a:ext cx="12191999" cy="4446571"/>
           </a:xfrm>
           <a:prstGeom prst="rect">
             <a:avLst/>
@@ -3783,8 +3783,8 @@
         </p:nvSpPr>
         <p:spPr>
           <a:xfrm>
-            <a:off x="8384562" y="4026533"/>
-            <a:ext cx="1170215" cy="674914"/>
+            <a:off x="8368519" y="4026533"/>
+            <a:ext cx="1202301" cy="674914"/>
           </a:xfrm>
           <a:prstGeom prst="roundRect">
             <a:avLst/>
@@ -3846,8 +3846,8 @@
         </p:nvSpPr>
         <p:spPr>
           <a:xfrm>
-            <a:off x="5879085" y="4147864"/>
-            <a:ext cx="1170215" cy="674914"/>
+            <a:off x="5863042" y="4147864"/>
+            <a:ext cx="1202301" cy="674914"/>
           </a:xfrm>
           <a:prstGeom prst="roundRect">
             <a:avLst/>
@@ -3909,8 +3909,8 @@
         </p:nvSpPr>
         <p:spPr>
           <a:xfrm>
-            <a:off x="4940250" y="2929053"/>
-            <a:ext cx="1354197" cy="397329"/>
+            <a:off x="4921684" y="2929053"/>
+            <a:ext cx="1391329" cy="397329"/>
           </a:xfrm>
           <a:prstGeom prst="curvedUpArrow">
             <a:avLst>
@@ -3975,8 +3975,8 @@
         </p:nvSpPr>
         <p:spPr>
           <a:xfrm>
-            <a:off x="1553269" y="2929053"/>
-            <a:ext cx="2221187" cy="397329"/>
+            <a:off x="1522817" y="2929053"/>
+            <a:ext cx="2282091" cy="397329"/>
           </a:xfrm>
           <a:prstGeom prst="curvedUpArrow">
             <a:avLst>
@@ -4041,8 +4041,8 @@
         </p:nvSpPr>
         <p:spPr>
           <a:xfrm>
-            <a:off x="3533272" y="1811027"/>
-            <a:ext cx="1170215" cy="674914"/>
+            <a:off x="3517229" y="1811027"/>
+            <a:ext cx="1202301" cy="674914"/>
           </a:xfrm>
           <a:prstGeom prst="roundRect">
             <a:avLst/>
@@ -4104,8 +4104,8 @@
         </p:nvSpPr>
         <p:spPr>
           <a:xfrm>
-            <a:off x="3391758" y="1925327"/>
-            <a:ext cx="1170215" cy="674914"/>
+            <a:off x="3375715" y="1925327"/>
+            <a:ext cx="1202301" cy="674914"/>
           </a:xfrm>
           <a:prstGeom prst="roundRect">
             <a:avLst/>
@@ -4167,8 +4167,8 @@
         </p:nvSpPr>
         <p:spPr>
           <a:xfrm>
-            <a:off x="3255737" y="2061399"/>
-            <a:ext cx="1170215" cy="674914"/>
+            <a:off x="3239694" y="2061399"/>
+            <a:ext cx="1202301" cy="674914"/>
           </a:xfrm>
           <a:prstGeom prst="roundRect">
             <a:avLst/>
@@ -4213,7 +4213,7 @@
                   <a:schemeClr val="bg1"/>
                 </a:solidFill>
               </a:rPr>
-              <a:t>v1.0</a:t>
+              <a:t>v1</a:t>
             </a:r>
           </a:p>
         </p:txBody>
@@ -4232,8 +4232,8 @@
         </p:nvSpPr>
         <p:spPr>
           <a:xfrm>
-            <a:off x="3255737" y="4272676"/>
-            <a:ext cx="1170215" cy="674914"/>
+            <a:off x="3239694" y="4272676"/>
+            <a:ext cx="1202301" cy="674914"/>
           </a:xfrm>
           <a:prstGeom prst="roundRect">
             <a:avLst/>
@@ -4278,7 +4278,7 @@
                   <a:schemeClr val="bg1"/>
                 </a:solidFill>
               </a:rPr>
-              <a:t>v2.0</a:t>
+              <a:t>v2</a:t>
             </a:r>
           </a:p>
         </p:txBody>
@@ -4297,8 +4297,8 @@
         </p:nvSpPr>
         <p:spPr>
           <a:xfrm>
-            <a:off x="2272511" y="3091099"/>
-            <a:ext cx="689886" cy="618939"/>
+            <a:off x="2263053" y="3091099"/>
+            <a:ext cx="708802" cy="618939"/>
           </a:xfrm>
           <a:prstGeom prst="roundRect">
             <a:avLst/>
@@ -4365,8 +4365,8 @@
         </p:blipFill>
         <p:spPr>
           <a:xfrm>
-            <a:off x="675960" y="2077876"/>
-            <a:ext cx="548640" cy="548640"/>
+            <a:off x="668438" y="2077876"/>
+            <a:ext cx="563684" cy="548640"/>
           </a:xfrm>
           <a:prstGeom prst="rect">
             <a:avLst/>
@@ -4401,8 +4401,8 @@
         </p:blipFill>
         <p:spPr>
           <a:xfrm>
-            <a:off x="162689" y="2894177"/>
-            <a:ext cx="548640" cy="548640"/>
+            <a:off x="155167" y="2894177"/>
+            <a:ext cx="563684" cy="548640"/>
           </a:xfrm>
           <a:prstGeom prst="rect">
             <a:avLst/>
@@ -4437,8 +4437,8 @@
         </p:blipFill>
         <p:spPr>
           <a:xfrm>
-            <a:off x="625309" y="2552062"/>
-            <a:ext cx="548640" cy="548640"/>
+            <a:off x="617787" y="2552062"/>
+            <a:ext cx="563684" cy="548640"/>
           </a:xfrm>
           <a:prstGeom prst="rect">
             <a:avLst/>
@@ -4473,8 +4473,8 @@
         </p:blipFill>
         <p:spPr>
           <a:xfrm>
-            <a:off x="198983" y="1972026"/>
-            <a:ext cx="548640" cy="548640"/>
+            <a:off x="191461" y="1972026"/>
+            <a:ext cx="563684" cy="548640"/>
           </a:xfrm>
           <a:prstGeom prst="rect">
             <a:avLst/>
@@ -4509,8 +4509,8 @@
         </p:blipFill>
         <p:spPr>
           <a:xfrm>
-            <a:off x="284313" y="2381261"/>
-            <a:ext cx="548640" cy="548640"/>
+            <a:off x="276791" y="2381261"/>
+            <a:ext cx="563684" cy="548640"/>
           </a:xfrm>
           <a:prstGeom prst="rect">
             <a:avLst/>
@@ -4545,8 +4545,8 @@
         </p:blipFill>
         <p:spPr>
           <a:xfrm>
-            <a:off x="1637666" y="2395742"/>
-            <a:ext cx="548640" cy="548640"/>
+            <a:off x="1630144" y="2395742"/>
+            <a:ext cx="563684" cy="548640"/>
           </a:xfrm>
           <a:prstGeom prst="rect">
             <a:avLst/>
@@ -4581,8 +4581,8 @@
         </p:blipFill>
         <p:spPr>
           <a:xfrm>
-            <a:off x="404891" y="3784365"/>
-            <a:ext cx="548640" cy="548640"/>
+            <a:off x="397369" y="3784365"/>
+            <a:ext cx="563684" cy="548640"/>
           </a:xfrm>
           <a:prstGeom prst="rect">
             <a:avLst/>
@@ -4617,8 +4617,8 @@
         </p:blipFill>
         <p:spPr>
           <a:xfrm>
-            <a:off x="1124805" y="1920144"/>
-            <a:ext cx="548640" cy="548640"/>
+            <a:off x="1117283" y="1920144"/>
+            <a:ext cx="563684" cy="548640"/>
           </a:xfrm>
           <a:prstGeom prst="rect">
             <a:avLst/>
@@ -4653,8 +4653,8 @@
         </p:blipFill>
         <p:spPr>
           <a:xfrm>
-            <a:off x="768991" y="4209262"/>
-            <a:ext cx="548640" cy="548640"/>
+            <a:off x="761469" y="4209262"/>
+            <a:ext cx="563684" cy="548640"/>
           </a:xfrm>
           <a:prstGeom prst="rect">
             <a:avLst/>
@@ -4689,8 +4689,8 @@
         </p:blipFill>
         <p:spPr>
           <a:xfrm>
-            <a:off x="1559013" y="1937650"/>
-            <a:ext cx="548640" cy="548640"/>
+            <a:off x="1551491" y="1937650"/>
+            <a:ext cx="563684" cy="548640"/>
           </a:xfrm>
           <a:prstGeom prst="rect">
             <a:avLst/>
@@ -4725,8 +4725,8 @@
         </p:blipFill>
         <p:spPr>
           <a:xfrm>
-            <a:off x="1184825" y="3978817"/>
-            <a:ext cx="548640" cy="548640"/>
+            <a:off x="1177303" y="3978817"/>
+            <a:ext cx="563684" cy="548640"/>
           </a:xfrm>
           <a:prstGeom prst="rect">
             <a:avLst/>
@@ -4761,8 +4761,8 @@
         </p:blipFill>
         <p:spPr>
           <a:xfrm>
-            <a:off x="1143179" y="2430463"/>
-            <a:ext cx="548640" cy="548640"/>
+            <a:off x="1135657" y="2430463"/>
+            <a:ext cx="563684" cy="548640"/>
           </a:xfrm>
           <a:prstGeom prst="rect">
             <a:avLst/>
@@ -4783,8 +4783,8 @@
         </p:nvSpPr>
         <p:spPr>
           <a:xfrm>
-            <a:off x="2922609" y="2699138"/>
-            <a:ext cx="700833" cy="369332"/>
+            <a:off x="2913001" y="2699138"/>
+            <a:ext cx="883211" cy="369332"/>
           </a:xfrm>
           <a:prstGeom prst="rect">
             <a:avLst/>
@@ -4792,11 +4792,12 @@
           <a:noFill/>
         </p:spPr>
         <p:txBody>
-          <a:bodyPr wrap="none" rtlCol="0">
+          <a:bodyPr wrap="square" rtlCol="0">
             <a:spAutoFit/>
           </a:bodyPr>
           <a:lstStyle/>
           <a:p>
+            <a:pPr algn="ctr"/>
             <a:r>
               <a:rPr lang="en-US" dirty="0"/>
               <a:t>100%</a:t>
@@ -4818,8 +4819,8 @@
         </p:nvSpPr>
         <p:spPr>
           <a:xfrm>
-            <a:off x="5905285" y="1925327"/>
-            <a:ext cx="1170215" cy="674914"/>
+            <a:off x="5889242" y="1925327"/>
+            <a:ext cx="1202301" cy="674914"/>
           </a:xfrm>
           <a:prstGeom prst="roundRect">
             <a:avLst/>
@@ -4881,8 +4882,8 @@
         </p:nvSpPr>
         <p:spPr>
           <a:xfrm>
-            <a:off x="5774655" y="2061399"/>
-            <a:ext cx="1170215" cy="674914"/>
+            <a:off x="5758612" y="2061399"/>
+            <a:ext cx="1202301" cy="674914"/>
           </a:xfrm>
           <a:prstGeom prst="roundRect">
             <a:avLst/>
@@ -4927,7 +4928,7 @@
                   <a:schemeClr val="bg1"/>
                 </a:solidFill>
               </a:rPr>
-              <a:t>v1.0</a:t>
+              <a:t>v1</a:t>
             </a:r>
           </a:p>
         </p:txBody>
@@ -4946,8 +4947,8 @@
         </p:nvSpPr>
         <p:spPr>
           <a:xfrm>
-            <a:off x="5774655" y="4272676"/>
-            <a:ext cx="1170215" cy="674914"/>
+            <a:off x="5758612" y="4272676"/>
+            <a:ext cx="1202301" cy="674914"/>
           </a:xfrm>
           <a:prstGeom prst="roundRect">
             <a:avLst/>
@@ -4992,7 +4993,7 @@
                   <a:schemeClr val="bg1"/>
                 </a:solidFill>
               </a:rPr>
-              <a:t>v2.0</a:t>
+              <a:t>v2</a:t>
             </a:r>
           </a:p>
         </p:txBody>
@@ -5011,8 +5012,8 @@
         </p:nvSpPr>
         <p:spPr>
           <a:xfrm>
-            <a:off x="4781170" y="3116049"/>
-            <a:ext cx="689886" cy="618939"/>
+            <a:off x="4771712" y="3116049"/>
+            <a:ext cx="708802" cy="618939"/>
           </a:xfrm>
           <a:prstGeom prst="roundRect">
             <a:avLst/>
@@ -5065,8 +5066,8 @@
         </p:nvSpPr>
         <p:spPr>
           <a:xfrm>
-            <a:off x="5368195" y="2699138"/>
-            <a:ext cx="700833" cy="369332"/>
+            <a:off x="5358587" y="2699138"/>
+            <a:ext cx="883211" cy="369332"/>
           </a:xfrm>
           <a:prstGeom prst="rect">
             <a:avLst/>
@@ -5074,11 +5075,12 @@
           <a:noFill/>
         </p:spPr>
         <p:txBody>
-          <a:bodyPr wrap="none" rtlCol="0">
+          <a:bodyPr wrap="square" rtlCol="0">
             <a:spAutoFit/>
           </a:bodyPr>
           <a:lstStyle/>
           <a:p>
+            <a:pPr algn="ctr"/>
             <a:r>
               <a:rPr lang="en-US" dirty="0"/>
               <a:t>100%</a:t>
@@ -5100,8 +5102,8 @@
         </p:nvSpPr>
         <p:spPr>
           <a:xfrm>
-            <a:off x="4676841" y="2858881"/>
-            <a:ext cx="816445" cy="1041636"/>
+            <a:off x="4665648" y="2858881"/>
+            <a:ext cx="838831" cy="1041636"/>
           </a:xfrm>
           <a:prstGeom prst="roundRect">
             <a:avLst/>
@@ -5168,8 +5170,8 @@
         </p:blipFill>
         <p:spPr>
           <a:xfrm>
-            <a:off x="2168312" y="3005254"/>
-            <a:ext cx="914400" cy="914400"/>
+            <a:off x="2155776" y="3005254"/>
+            <a:ext cx="939472" cy="914400"/>
           </a:xfrm>
           <a:prstGeom prst="rect">
             <a:avLst/>
@@ -5204,8 +5206,8 @@
         </p:blipFill>
         <p:spPr>
           <a:xfrm>
-            <a:off x="4681839" y="3005254"/>
-            <a:ext cx="914400" cy="914400"/>
+            <a:off x="4669303" y="3005254"/>
+            <a:ext cx="939472" cy="914400"/>
           </a:xfrm>
           <a:prstGeom prst="rect">
             <a:avLst/>
@@ -5226,8 +5228,8 @@
         </p:nvSpPr>
         <p:spPr>
           <a:xfrm>
-            <a:off x="8263722" y="4147864"/>
-            <a:ext cx="1170215" cy="674914"/>
+            <a:off x="8247679" y="4147864"/>
+            <a:ext cx="1202301" cy="674914"/>
           </a:xfrm>
           <a:prstGeom prst="roundRect">
             <a:avLst/>
@@ -5289,8 +5291,8 @@
         </p:nvSpPr>
         <p:spPr>
           <a:xfrm>
-            <a:off x="7324887" y="2905395"/>
-            <a:ext cx="1394293" cy="420987"/>
+            <a:off x="7305772" y="2905395"/>
+            <a:ext cx="1432523" cy="420987"/>
           </a:xfrm>
           <a:prstGeom prst="curvedUpArrow">
             <a:avLst>
@@ -5355,8 +5357,8 @@
         </p:nvSpPr>
         <p:spPr>
           <a:xfrm>
-            <a:off x="8159292" y="2061399"/>
-            <a:ext cx="1170215" cy="674914"/>
+            <a:off x="8143249" y="2061399"/>
+            <a:ext cx="1202301" cy="674914"/>
           </a:xfrm>
           <a:prstGeom prst="roundRect">
             <a:avLst/>
@@ -5401,7 +5403,7 @@
                   <a:schemeClr val="bg1"/>
                 </a:solidFill>
               </a:rPr>
-              <a:t>v1.0</a:t>
+              <a:t>v1</a:t>
             </a:r>
           </a:p>
         </p:txBody>
@@ -5420,8 +5422,8 @@
         </p:nvSpPr>
         <p:spPr>
           <a:xfrm>
-            <a:off x="8159292" y="4272676"/>
-            <a:ext cx="1170215" cy="674914"/>
+            <a:off x="8143249" y="4272676"/>
+            <a:ext cx="1202301" cy="674914"/>
           </a:xfrm>
           <a:prstGeom prst="roundRect">
             <a:avLst/>
@@ -5466,7 +5468,7 @@
                   <a:schemeClr val="bg1"/>
                 </a:solidFill>
               </a:rPr>
-              <a:t>v2.0</a:t>
+              <a:t>v2</a:t>
             </a:r>
           </a:p>
         </p:txBody>
@@ -5485,8 +5487,8 @@
         </p:nvSpPr>
         <p:spPr>
           <a:xfrm>
-            <a:off x="7889569" y="2699138"/>
-            <a:ext cx="700833" cy="369332"/>
+            <a:off x="7879961" y="2699138"/>
+            <a:ext cx="883211" cy="369332"/>
           </a:xfrm>
           <a:prstGeom prst="rect">
             <a:avLst/>
@@ -5494,11 +5496,12 @@
           <a:noFill/>
         </p:spPr>
         <p:txBody>
-          <a:bodyPr wrap="none" rtlCol="0">
+          <a:bodyPr wrap="square" rtlCol="0">
             <a:spAutoFit/>
           </a:bodyPr>
           <a:lstStyle/>
           <a:p>
+            <a:pPr algn="ctr"/>
             <a:r>
               <a:rPr lang="en-US" dirty="0"/>
               <a:t>100%</a:t>
@@ -5520,8 +5523,8 @@
         </p:nvSpPr>
         <p:spPr>
           <a:xfrm>
-            <a:off x="7150689" y="2848628"/>
-            <a:ext cx="816445" cy="1041636"/>
+            <a:off x="7139496" y="2848628"/>
+            <a:ext cx="838831" cy="1041636"/>
           </a:xfrm>
           <a:prstGeom prst="roundRect">
             <a:avLst/>
@@ -5588,8 +5591,8 @@
         </p:blipFill>
         <p:spPr>
           <a:xfrm>
-            <a:off x="7194808" y="2975864"/>
-            <a:ext cx="914400" cy="914400"/>
+            <a:off x="7182272" y="2975864"/>
+            <a:ext cx="939472" cy="914400"/>
           </a:xfrm>
           <a:prstGeom prst="rect">
             <a:avLst/>
@@ -5610,8 +5613,8 @@
         </p:nvSpPr>
         <p:spPr>
           <a:xfrm>
-            <a:off x="10738909" y="4026533"/>
-            <a:ext cx="1170215" cy="674914"/>
+            <a:off x="10722866" y="4026533"/>
+            <a:ext cx="1202301" cy="674914"/>
           </a:xfrm>
           <a:prstGeom prst="roundRect">
             <a:avLst/>
@@ -5673,8 +5676,8 @@
         </p:nvSpPr>
         <p:spPr>
           <a:xfrm>
-            <a:off x="10597395" y="4136604"/>
-            <a:ext cx="1170215" cy="674914"/>
+            <a:off x="10581352" y="4136604"/>
+            <a:ext cx="1202301" cy="674914"/>
           </a:xfrm>
           <a:prstGeom prst="roundRect">
             <a:avLst/>
@@ -5736,8 +5739,8 @@
         </p:nvSpPr>
         <p:spPr>
           <a:xfrm>
-            <a:off x="10466766" y="4272676"/>
-            <a:ext cx="1170215" cy="674914"/>
+            <a:off x="10450723" y="4272676"/>
+            <a:ext cx="1202301" cy="674914"/>
           </a:xfrm>
           <a:prstGeom prst="roundRect">
             <a:avLst/>
@@ -5782,7 +5785,7 @@
                   <a:schemeClr val="bg1"/>
                 </a:solidFill>
               </a:rPr>
-              <a:t>v2.0</a:t>
+              <a:t>v2</a:t>
             </a:r>
           </a:p>
         </p:txBody>
@@ -5801,8 +5804,8 @@
         </p:nvSpPr>
         <p:spPr>
           <a:xfrm>
-            <a:off x="3273125" y="4895800"/>
-            <a:ext cx="1135439" cy="369332"/>
+            <a:off x="3257558" y="4895800"/>
+            <a:ext cx="1430917" cy="369332"/>
           </a:xfrm>
           <a:prstGeom prst="rect">
             <a:avLst/>
@@ -5810,11 +5813,12 @@
           <a:noFill/>
         </p:spPr>
         <p:txBody>
-          <a:bodyPr wrap="none" rtlCol="0">
+          <a:bodyPr wrap="square" rtlCol="0">
             <a:spAutoFit/>
           </a:bodyPr>
           <a:lstStyle/>
           <a:p>
+            <a:pPr algn="ctr"/>
             <a:r>
               <a:rPr lang="en-US" dirty="0"/>
               <a:t>Candidate</a:t>
@@ -5836,8 +5840,8 @@
         </p:nvSpPr>
         <p:spPr>
           <a:xfrm>
-            <a:off x="5792043" y="4892977"/>
-            <a:ext cx="1135439" cy="369332"/>
+            <a:off x="5776476" y="4892977"/>
+            <a:ext cx="1430917" cy="369332"/>
           </a:xfrm>
           <a:prstGeom prst="rect">
             <a:avLst/>
@@ -5845,11 +5849,12 @@
           <a:noFill/>
         </p:spPr>
         <p:txBody>
-          <a:bodyPr wrap="none" rtlCol="0">
+          <a:bodyPr wrap="square" rtlCol="0">
             <a:spAutoFit/>
           </a:bodyPr>
           <a:lstStyle/>
           <a:p>
+            <a:pPr algn="ctr"/>
             <a:r>
               <a:rPr lang="en-US" dirty="0"/>
               <a:t>Candidate</a:t>
@@ -5871,8 +5876,8 @@
         </p:nvSpPr>
         <p:spPr>
           <a:xfrm>
-            <a:off x="8176680" y="4892977"/>
-            <a:ext cx="1135439" cy="369332"/>
+            <a:off x="8161113" y="4892977"/>
+            <a:ext cx="1430917" cy="369332"/>
           </a:xfrm>
           <a:prstGeom prst="rect">
             <a:avLst/>
@@ -5880,11 +5885,12 @@
           <a:noFill/>
         </p:spPr>
         <p:txBody>
-          <a:bodyPr wrap="none" rtlCol="0">
+          <a:bodyPr wrap="square" rtlCol="0">
             <a:spAutoFit/>
           </a:bodyPr>
           <a:lstStyle/>
           <a:p>
+            <a:pPr algn="ctr"/>
             <a:r>
               <a:rPr lang="en-US" dirty="0"/>
               <a:t>Candidate</a:t>
@@ -5906,8 +5912,8 @@
         </p:nvSpPr>
         <p:spPr>
           <a:xfrm>
-            <a:off x="10630924" y="4911314"/>
-            <a:ext cx="841897" cy="369332"/>
+            <a:off x="10619382" y="4911314"/>
+            <a:ext cx="1060985" cy="369332"/>
           </a:xfrm>
           <a:prstGeom prst="rect">
             <a:avLst/>
@@ -5915,11 +5921,12 @@
           <a:noFill/>
         </p:spPr>
         <p:txBody>
-          <a:bodyPr wrap="none" rtlCol="0">
+          <a:bodyPr wrap="square" rtlCol="0">
             <a:spAutoFit/>
           </a:bodyPr>
           <a:lstStyle/>
           <a:p>
+            <a:pPr algn="ctr"/>
             <a:r>
               <a:rPr lang="en-US" dirty="0"/>
               <a:t>winner</a:t>
@@ -5941,8 +5948,8 @@
         </p:nvSpPr>
         <p:spPr>
           <a:xfrm>
-            <a:off x="3356577" y="1466858"/>
-            <a:ext cx="968535" cy="369332"/>
+            <a:off x="3343299" y="1466858"/>
+            <a:ext cx="1220578" cy="369332"/>
           </a:xfrm>
           <a:prstGeom prst="rect">
             <a:avLst/>
@@ -5950,11 +5957,12 @@
           <a:noFill/>
         </p:spPr>
         <p:txBody>
-          <a:bodyPr wrap="none" rtlCol="0">
+          <a:bodyPr wrap="square" rtlCol="0">
             <a:spAutoFit/>
           </a:bodyPr>
           <a:lstStyle/>
           <a:p>
+            <a:pPr algn="ctr"/>
             <a:r>
               <a:rPr lang="en-US" dirty="0"/>
               <a:t>Baseline</a:t>
@@ -5976,8 +5984,8 @@
         </p:nvSpPr>
         <p:spPr>
           <a:xfrm>
-            <a:off x="5875495" y="1466858"/>
-            <a:ext cx="968535" cy="369332"/>
+            <a:off x="5862217" y="1466858"/>
+            <a:ext cx="1220578" cy="369332"/>
           </a:xfrm>
           <a:prstGeom prst="rect">
             <a:avLst/>
@@ -5985,11 +5993,12 @@
           <a:noFill/>
         </p:spPr>
         <p:txBody>
-          <a:bodyPr wrap="none" rtlCol="0">
+          <a:bodyPr wrap="square" rtlCol="0">
             <a:spAutoFit/>
           </a:bodyPr>
           <a:lstStyle/>
           <a:p>
+            <a:pPr algn="ctr"/>
             <a:r>
               <a:rPr lang="en-US" dirty="0"/>
               <a:t>Baseline</a:t>
@@ -6011,8 +6020,8 @@
         </p:nvSpPr>
         <p:spPr>
           <a:xfrm>
-            <a:off x="8260132" y="1466858"/>
-            <a:ext cx="968535" cy="369332"/>
+            <a:off x="8246854" y="1466858"/>
+            <a:ext cx="1220578" cy="369332"/>
           </a:xfrm>
           <a:prstGeom prst="rect">
             <a:avLst/>
@@ -6020,11 +6029,12 @@
           <a:noFill/>
         </p:spPr>
         <p:txBody>
-          <a:bodyPr wrap="none" rtlCol="0">
+          <a:bodyPr wrap="square" rtlCol="0">
             <a:spAutoFit/>
           </a:bodyPr>
           <a:lstStyle/>
           <a:p>
+            <a:pPr algn="ctr"/>
             <a:r>
               <a:rPr lang="en-US" dirty="0"/>
               <a:t>Baseline</a:t>
@@ -6047,9 +6057,9 @@
           <p:nvPr/>
         </p:nvCxnSpPr>
         <p:spPr>
-          <a:xfrm>
-            <a:off x="284313" y="5468471"/>
-            <a:ext cx="11683045" cy="1"/>
+          <a:xfrm flipV="1">
+            <a:off x="124142" y="5468473"/>
+            <a:ext cx="12003388" cy="1"/>
           </a:xfrm>
           <a:prstGeom prst="straightConnector1">
             <a:avLst/>
@@ -6092,8 +6102,8 @@
         </p:nvSpPr>
         <p:spPr>
           <a:xfrm>
-            <a:off x="5830865" y="5538941"/>
-            <a:ext cx="649537" cy="369332"/>
+            <a:off x="5821960" y="5538941"/>
+            <a:ext cx="667347" cy="369332"/>
           </a:xfrm>
           <a:prstGeom prst="rect">
             <a:avLst/>
@@ -6101,7 +6111,7 @@
           <a:noFill/>
         </p:spPr>
         <p:txBody>
-          <a:bodyPr wrap="none" rtlCol="0">
+          <a:bodyPr wrap="square" rtlCol="0">
             <a:spAutoFit/>
           </a:bodyPr>
           <a:lstStyle/>
@@ -6141,8 +6151,8 @@
         </p:blipFill>
         <p:spPr>
           <a:xfrm>
-            <a:off x="9887531" y="4324650"/>
-            <a:ext cx="570967" cy="570967"/>
+            <a:off x="9879703" y="4324650"/>
+            <a:ext cx="586623" cy="570967"/>
           </a:xfrm>
           <a:prstGeom prst="rect">
             <a:avLst/>
@@ -6158,7 +6168,9 @@
               </a:ext>
             </a:extLst>
           </p:cNvPr>
-          <p:cNvCxnSpPr/>
+          <p:cNvCxnSpPr>
+            <a:cxnSpLocks/>
+          </p:cNvCxnSpPr>
           <p:nvPr/>
         </p:nvCxnSpPr>
         <p:spPr>
@@ -6194,7 +6206,9 @@
               </a:ext>
             </a:extLst>
           </p:cNvPr>
-          <p:cNvCxnSpPr/>
+          <p:cNvCxnSpPr>
+            <a:cxnSpLocks/>
+          </p:cNvCxnSpPr>
           <p:nvPr/>
         </p:nvCxnSpPr>
         <p:spPr>
@@ -6230,7 +6244,9 @@
               </a:ext>
             </a:extLst>
           </p:cNvPr>
-          <p:cNvCxnSpPr/>
+          <p:cNvCxnSpPr>
+            <a:cxnSpLocks/>
+          </p:cNvCxnSpPr>
           <p:nvPr/>
         </p:nvCxnSpPr>
         <p:spPr>
@@ -6271,8 +6287,8 @@
         </p:nvSpPr>
         <p:spPr>
           <a:xfrm>
-            <a:off x="74072" y="4899577"/>
-            <a:ext cx="2429424" cy="369332"/>
+            <a:off x="253888" y="4899577"/>
+            <a:ext cx="2399590" cy="369332"/>
           </a:xfrm>
           <a:prstGeom prst="rect">
             <a:avLst/>
@@ -6315,8 +6331,8 @@
         </p:nvSpPr>
         <p:spPr>
           <a:xfrm>
-            <a:off x="92353" y="1461702"/>
-            <a:ext cx="2392863" cy="369332"/>
+            <a:off x="376370" y="1461702"/>
+            <a:ext cx="2137367" cy="369332"/>
           </a:xfrm>
           <a:prstGeom prst="rect">
             <a:avLst/>
@@ -6360,8 +6376,8 @@
         </p:nvCxnSpPr>
         <p:spPr>
           <a:xfrm rot="5400000" flipH="1" flipV="1">
-            <a:off x="1232407" y="3273358"/>
-            <a:ext cx="746808" cy="1125001"/>
+            <a:off x="1226139" y="3279626"/>
+            <a:ext cx="746808" cy="1112465"/>
           </a:xfrm>
           <a:prstGeom prst="bentConnector2">
             <a:avLst/>
@@ -6454,12 +6470,12 @@
         </p:nvCxnSpPr>
         <p:spPr>
           <a:xfrm rot="16200000" flipH="1">
-            <a:off x="3065285" y="3497116"/>
-            <a:ext cx="811858" cy="739262"/>
+            <a:off x="3065284" y="3497115"/>
+            <a:ext cx="811858" cy="739263"/>
           </a:xfrm>
           <a:prstGeom prst="bentConnector3">
             <a:avLst>
-              <a:gd name="adj1" fmla="val 346"/>
+              <a:gd name="adj1" fmla="val 805"/>
             </a:avLst>
           </a:prstGeom>
           <a:ln w="38100">
@@ -6504,8 +6520,8 @@
         </p:nvCxnSpPr>
         <p:spPr>
           <a:xfrm>
-            <a:off x="5596239" y="3462454"/>
-            <a:ext cx="867954" cy="685410"/>
+            <a:off x="5608775" y="3462454"/>
+            <a:ext cx="855418" cy="685410"/>
           </a:xfrm>
           <a:prstGeom prst="bentConnector2">
             <a:avLst/>
@@ -6552,8 +6568,8 @@
         </p:nvCxnSpPr>
         <p:spPr>
           <a:xfrm flipV="1">
-            <a:off x="5596239" y="2736313"/>
-            <a:ext cx="763524" cy="726141"/>
+            <a:off x="5608775" y="2736313"/>
+            <a:ext cx="750988" cy="726141"/>
           </a:xfrm>
           <a:prstGeom prst="bentConnector2">
             <a:avLst/>
@@ -6600,8 +6616,8 @@
         </p:nvCxnSpPr>
         <p:spPr>
           <a:xfrm>
-            <a:off x="8109208" y="3433064"/>
-            <a:ext cx="860462" cy="593469"/>
+            <a:off x="8121744" y="3433064"/>
+            <a:ext cx="847926" cy="593469"/>
           </a:xfrm>
           <a:prstGeom prst="bentConnector2">
             <a:avLst/>
@@ -6648,8 +6664,8 @@
         </p:nvCxnSpPr>
         <p:spPr>
           <a:xfrm flipV="1">
-            <a:off x="8109208" y="2736313"/>
-            <a:ext cx="635192" cy="696751"/>
+            <a:off x="8121744" y="2736313"/>
+            <a:ext cx="622656" cy="696751"/>
           </a:xfrm>
           <a:prstGeom prst="bentConnector2">
             <a:avLst/>
@@ -6692,8 +6708,8 @@
         </p:nvSpPr>
         <p:spPr>
           <a:xfrm>
-            <a:off x="3884964" y="3732795"/>
-            <a:ext cx="583814" cy="369332"/>
+            <a:off x="3876959" y="3732795"/>
+            <a:ext cx="735741" cy="369332"/>
           </a:xfrm>
           <a:prstGeom prst="rect">
             <a:avLst/>
@@ -6701,11 +6717,12 @@
           <a:noFill/>
         </p:spPr>
         <p:txBody>
-          <a:bodyPr wrap="none" rtlCol="0">
+          <a:bodyPr wrap="square" rtlCol="0">
             <a:spAutoFit/>
           </a:bodyPr>
           <a:lstStyle/>
           <a:p>
+            <a:pPr algn="ctr"/>
             <a:r>
               <a:rPr lang="en-US" dirty="0"/>
               <a:t>25%</a:t>
@@ -6727,8 +6744,8 @@
         </p:nvSpPr>
         <p:spPr>
           <a:xfrm>
-            <a:off x="3867017" y="2717770"/>
-            <a:ext cx="583814" cy="369332"/>
+            <a:off x="3859012" y="2717770"/>
+            <a:ext cx="735741" cy="369332"/>
           </a:xfrm>
           <a:prstGeom prst="rect">
             <a:avLst/>
@@ -6736,11 +6753,12 @@
           <a:noFill/>
         </p:spPr>
         <p:txBody>
-          <a:bodyPr wrap="none" rtlCol="0">
+          <a:bodyPr wrap="square" rtlCol="0">
             <a:spAutoFit/>
           </a:bodyPr>
           <a:lstStyle/>
           <a:p>
+            <a:pPr algn="ctr"/>
             <a:r>
               <a:rPr lang="en-US" dirty="0"/>
               <a:t>75%</a:t>
@@ -6762,8 +6780,8 @@
         </p:nvSpPr>
         <p:spPr>
           <a:xfrm>
-            <a:off x="6487706" y="3723527"/>
-            <a:ext cx="583814" cy="369332"/>
+            <a:off x="6479701" y="3723527"/>
+            <a:ext cx="735741" cy="369332"/>
           </a:xfrm>
           <a:prstGeom prst="rect">
             <a:avLst/>
@@ -6771,11 +6789,12 @@
           <a:noFill/>
         </p:spPr>
         <p:txBody>
-          <a:bodyPr wrap="none" rtlCol="0">
+          <a:bodyPr wrap="square" rtlCol="0">
             <a:spAutoFit/>
           </a:bodyPr>
           <a:lstStyle/>
           <a:p>
+            <a:pPr algn="ctr"/>
             <a:r>
               <a:rPr lang="en-US" dirty="0"/>
               <a:t>25%</a:t>
@@ -6797,8 +6816,8 @@
         </p:nvSpPr>
         <p:spPr>
           <a:xfrm>
-            <a:off x="6445489" y="2717672"/>
-            <a:ext cx="583814" cy="369332"/>
+            <a:off x="6437484" y="2717672"/>
+            <a:ext cx="735741" cy="369332"/>
           </a:xfrm>
           <a:prstGeom prst="rect">
             <a:avLst/>
@@ -6806,11 +6825,12 @@
           <a:noFill/>
         </p:spPr>
         <p:txBody>
-          <a:bodyPr wrap="none" rtlCol="0">
+          <a:bodyPr wrap="square" rtlCol="0">
             <a:spAutoFit/>
           </a:bodyPr>
           <a:lstStyle/>
           <a:p>
+            <a:pPr algn="ctr"/>
             <a:r>
               <a:rPr lang="en-US" dirty="0"/>
               <a:t>75%</a:t>
@@ -6832,8 +6852,8 @@
         </p:nvSpPr>
         <p:spPr>
           <a:xfrm>
-            <a:off x="8976006" y="3705254"/>
-            <a:ext cx="583814" cy="369332"/>
+            <a:off x="8968001" y="3705254"/>
+            <a:ext cx="735741" cy="369332"/>
           </a:xfrm>
           <a:prstGeom prst="rect">
             <a:avLst/>
@@ -6841,11 +6861,12 @@
           <a:noFill/>
         </p:spPr>
         <p:txBody>
-          <a:bodyPr wrap="none" rtlCol="0">
+          <a:bodyPr wrap="square" rtlCol="0">
             <a:spAutoFit/>
           </a:bodyPr>
           <a:lstStyle/>
           <a:p>
+            <a:pPr algn="ctr"/>
             <a:r>
               <a:rPr lang="en-US" dirty="0"/>
               <a:t>25%</a:t>
@@ -6867,8 +6888,8 @@
         </p:nvSpPr>
         <p:spPr>
           <a:xfrm>
-            <a:off x="8933789" y="2699399"/>
-            <a:ext cx="583814" cy="369332"/>
+            <a:off x="8925784" y="2699399"/>
+            <a:ext cx="735741" cy="369332"/>
           </a:xfrm>
           <a:prstGeom prst="rect">
             <a:avLst/>
@@ -6876,11 +6897,12 @@
           <a:noFill/>
         </p:spPr>
         <p:txBody>
-          <a:bodyPr wrap="none" rtlCol="0">
+          <a:bodyPr wrap="square" rtlCol="0">
             <a:spAutoFit/>
           </a:bodyPr>
           <a:lstStyle/>
           <a:p>
+            <a:pPr algn="ctr"/>
             <a:r>
               <a:rPr lang="en-US" dirty="0"/>
               <a:t>75%</a:t>
